--- a/prezentacija/Hardverska implementacija akceleratora za ispravljanje sadržaja slika.pptx
+++ b/prezentacija/Hardverska implementacija akceleratora za ispravljanje sadržaja slika.pptx
@@ -1298,7 +1298,7 @@
           <a:noFill/>
           <a:extLst>
             <a:ext uri="{909E8E84-426E-40dd-AFC4-6F175D3DCCD1}">
-              <a14:hiddenFill xmlns:a14="http://schemas.microsoft.com/office/drawing/2010/main" xmlns="">
+              <a14:hiddenFill xmlns="" xmlns:a14="http://schemas.microsoft.com/office/drawing/2010/main">
                 <a:solidFill>
                   <a:srgbClr val="FFFFFF"/>
                 </a:solidFill>
@@ -1357,7 +1357,7 @@
             </a:ln>
             <a:extLst>
               <a:ext uri="{91240B29-F687-4f45-9708-019B960494DF}">
-                <a14:hiddenLine xmlns:a14="http://schemas.microsoft.com/office/drawing/2010/main" xmlns="" w="9525">
+                <a14:hiddenLine xmlns="" xmlns:a14="http://schemas.microsoft.com/office/drawing/2010/main" w="9525">
                   <a:solidFill>
                     <a:srgbClr val="000000"/>
                   </a:solidFill>
@@ -1447,7 +1447,7 @@
             </a:ln>
             <a:extLst>
               <a:ext uri="{91240B29-F687-4f45-9708-019B960494DF}">
-                <a14:hiddenLine xmlns:a14="http://schemas.microsoft.com/office/drawing/2010/main" xmlns="" w="9525">
+                <a14:hiddenLine xmlns="" xmlns:a14="http://schemas.microsoft.com/office/drawing/2010/main" w="9525">
                   <a:solidFill>
                     <a:srgbClr val="000000"/>
                   </a:solidFill>
@@ -1537,7 +1537,7 @@
             </a:ln>
             <a:extLst>
               <a:ext uri="{91240B29-F687-4f45-9708-019B960494DF}">
-                <a14:hiddenLine xmlns:a14="http://schemas.microsoft.com/office/drawing/2010/main" xmlns="" w="9525">
+                <a14:hiddenLine xmlns="" xmlns:a14="http://schemas.microsoft.com/office/drawing/2010/main" w="9525">
                   <a:solidFill>
                     <a:srgbClr val="000000"/>
                   </a:solidFill>
@@ -1571,7 +1571,7 @@
             </a:ln>
             <a:extLst>
               <a:ext uri="{91240B29-F687-4f45-9708-019B960494DF}">
-                <a14:hiddenLine xmlns:a14="http://schemas.microsoft.com/office/drawing/2010/main" xmlns="" w="9525">
+                <a14:hiddenLine xmlns="" xmlns:a14="http://schemas.microsoft.com/office/drawing/2010/main" w="9525">
                   <a:solidFill>
                     <a:srgbClr val="000000"/>
                   </a:solidFill>
@@ -1661,7 +1661,7 @@
             </a:ln>
             <a:extLst>
               <a:ext uri="{91240B29-F687-4f45-9708-019B960494DF}">
-                <a14:hiddenLine xmlns:a14="http://schemas.microsoft.com/office/drawing/2010/main" xmlns="" w="9525">
+                <a14:hiddenLine xmlns="" xmlns:a14="http://schemas.microsoft.com/office/drawing/2010/main" w="9525">
                   <a:solidFill>
                     <a:srgbClr val="000000"/>
                   </a:solidFill>
@@ -1723,7 +1723,7 @@
             </a:ln>
             <a:extLst>
               <a:ext uri="{91240B29-F687-4f45-9708-019B960494DF}">
-                <a14:hiddenLine xmlns:a14="http://schemas.microsoft.com/office/drawing/2010/main" xmlns="" w="9525">
+                <a14:hiddenLine xmlns="" xmlns:a14="http://schemas.microsoft.com/office/drawing/2010/main" w="9525">
                   <a:solidFill>
                     <a:srgbClr val="000000"/>
                   </a:solidFill>
@@ -1785,7 +1785,7 @@
             </a:ln>
             <a:extLst>
               <a:ext uri="{91240B29-F687-4f45-9708-019B960494DF}">
-                <a14:hiddenLine xmlns:a14="http://schemas.microsoft.com/office/drawing/2010/main" xmlns="" w="9525">
+                <a14:hiddenLine xmlns="" xmlns:a14="http://schemas.microsoft.com/office/drawing/2010/main" w="9525">
                   <a:solidFill>
                     <a:srgbClr val="000000"/>
                   </a:solidFill>
@@ -1875,7 +1875,7 @@
             </a:ln>
             <a:extLst>
               <a:ext uri="{91240B29-F687-4f45-9708-019B960494DF}">
-                <a14:hiddenLine xmlns:a14="http://schemas.microsoft.com/office/drawing/2010/main" xmlns="" w="9525">
+                <a14:hiddenLine xmlns="" xmlns:a14="http://schemas.microsoft.com/office/drawing/2010/main" w="9525">
                   <a:solidFill>
                     <a:srgbClr val="000000"/>
                   </a:solidFill>
@@ -1937,7 +1937,7 @@
             </a:ln>
             <a:extLst>
               <a:ext uri="{91240B29-F687-4f45-9708-019B960494DF}">
-                <a14:hiddenLine xmlns:a14="http://schemas.microsoft.com/office/drawing/2010/main" xmlns="" w="9525">
+                <a14:hiddenLine xmlns="" xmlns:a14="http://schemas.microsoft.com/office/drawing/2010/main" w="9525">
                   <a:solidFill>
                     <a:srgbClr val="000000"/>
                   </a:solidFill>
@@ -1999,7 +1999,7 @@
             </a:ln>
             <a:extLst>
               <a:ext uri="{91240B29-F687-4f45-9708-019B960494DF}">
-                <a14:hiddenLine xmlns:a14="http://schemas.microsoft.com/office/drawing/2010/main" xmlns="" w="9525">
+                <a14:hiddenLine xmlns="" xmlns:a14="http://schemas.microsoft.com/office/drawing/2010/main" w="9525">
                   <a:solidFill>
                     <a:srgbClr val="000000"/>
                   </a:solidFill>
@@ -2089,7 +2089,7 @@
             </a:ln>
             <a:extLst>
               <a:ext uri="{91240B29-F687-4f45-9708-019B960494DF}">
-                <a14:hiddenLine xmlns:a14="http://schemas.microsoft.com/office/drawing/2010/main" xmlns="" w="9525">
+                <a14:hiddenLine xmlns="" xmlns:a14="http://schemas.microsoft.com/office/drawing/2010/main" w="9525">
                   <a:solidFill>
                     <a:srgbClr val="000000"/>
                   </a:solidFill>
@@ -2179,7 +2179,7 @@
             </a:ln>
             <a:extLst>
               <a:ext uri="{91240B29-F687-4f45-9708-019B960494DF}">
-                <a14:hiddenLine xmlns:a14="http://schemas.microsoft.com/office/drawing/2010/main" xmlns="" w="9525">
+                <a14:hiddenLine xmlns="" xmlns:a14="http://schemas.microsoft.com/office/drawing/2010/main" w="9525">
                   <a:solidFill>
                     <a:srgbClr val="000000"/>
                   </a:solidFill>
@@ -2241,7 +2241,7 @@
             </a:ln>
             <a:extLst>
               <a:ext uri="{91240B29-F687-4f45-9708-019B960494DF}">
-                <a14:hiddenLine xmlns:a14="http://schemas.microsoft.com/office/drawing/2010/main" xmlns="" w="9525">
+                <a14:hiddenLine xmlns="" xmlns:a14="http://schemas.microsoft.com/office/drawing/2010/main" w="9525">
                   <a:solidFill>
                     <a:srgbClr val="000000"/>
                   </a:solidFill>
@@ -2351,7 +2351,7 @@
             </a:ln>
             <a:extLst>
               <a:ext uri="{91240B29-F687-4f45-9708-019B960494DF}">
-                <a14:hiddenLine xmlns:a14="http://schemas.microsoft.com/office/drawing/2010/main" xmlns="" w="9525">
+                <a14:hiddenLine xmlns="" xmlns:a14="http://schemas.microsoft.com/office/drawing/2010/main" w="9525">
                   <a:solidFill>
                     <a:srgbClr val="000000"/>
                   </a:solidFill>
@@ -2413,7 +2413,7 @@
             </a:ln>
             <a:extLst>
               <a:ext uri="{91240B29-F687-4f45-9708-019B960494DF}">
-                <a14:hiddenLine xmlns:a14="http://schemas.microsoft.com/office/drawing/2010/main" xmlns="" w="9525">
+                <a14:hiddenLine xmlns="" xmlns:a14="http://schemas.microsoft.com/office/drawing/2010/main" w="9525">
                   <a:solidFill>
                     <a:srgbClr val="000000"/>
                   </a:solidFill>
@@ -2503,7 +2503,7 @@
             </a:ln>
             <a:extLst>
               <a:ext uri="{91240B29-F687-4f45-9708-019B960494DF}">
-                <a14:hiddenLine xmlns:a14="http://schemas.microsoft.com/office/drawing/2010/main" xmlns="" w="9525">
+                <a14:hiddenLine xmlns="" xmlns:a14="http://schemas.microsoft.com/office/drawing/2010/main" w="9525">
                   <a:solidFill>
                     <a:srgbClr val="000000"/>
                   </a:solidFill>
@@ -2593,7 +2593,7 @@
             </a:ln>
             <a:extLst>
               <a:ext uri="{91240B29-F687-4f45-9708-019B960494DF}">
-                <a14:hiddenLine xmlns:a14="http://schemas.microsoft.com/office/drawing/2010/main" xmlns="" w="9525">
+                <a14:hiddenLine xmlns="" xmlns:a14="http://schemas.microsoft.com/office/drawing/2010/main" w="9525">
                   <a:solidFill>
                     <a:srgbClr val="000000"/>
                   </a:solidFill>
@@ -2655,7 +2655,7 @@
             </a:ln>
             <a:extLst>
               <a:ext uri="{91240B29-F687-4f45-9708-019B960494DF}">
-                <a14:hiddenLine xmlns:a14="http://schemas.microsoft.com/office/drawing/2010/main" xmlns="" w="9525">
+                <a14:hiddenLine xmlns="" xmlns:a14="http://schemas.microsoft.com/office/drawing/2010/main" w="9525">
                   <a:solidFill>
                     <a:srgbClr val="000000"/>
                   </a:solidFill>
@@ -2745,7 +2745,7 @@
             </a:ln>
             <a:extLst>
               <a:ext uri="{91240B29-F687-4f45-9708-019B960494DF}">
-                <a14:hiddenLine xmlns:a14="http://schemas.microsoft.com/office/drawing/2010/main" xmlns="" w="9525">
+                <a14:hiddenLine xmlns="" xmlns:a14="http://schemas.microsoft.com/office/drawing/2010/main" w="9525">
                   <a:solidFill>
                     <a:srgbClr val="000000"/>
                   </a:solidFill>
@@ -2835,7 +2835,7 @@
             </a:ln>
             <a:extLst>
               <a:ext uri="{91240B29-F687-4f45-9708-019B960494DF}">
-                <a14:hiddenLine xmlns:a14="http://schemas.microsoft.com/office/drawing/2010/main" xmlns="" w="9525">
+                <a14:hiddenLine xmlns="" xmlns:a14="http://schemas.microsoft.com/office/drawing/2010/main" w="9525">
                   <a:solidFill>
                     <a:srgbClr val="000000"/>
                   </a:solidFill>
@@ -2891,7 +2891,7 @@
             </a:ln>
             <a:extLst>
               <a:ext uri="{91240B29-F687-4f45-9708-019B960494DF}">
-                <a14:hiddenLine xmlns:a14="http://schemas.microsoft.com/office/drawing/2010/main" xmlns="" w="9525">
+                <a14:hiddenLine xmlns="" xmlns:a14="http://schemas.microsoft.com/office/drawing/2010/main" w="9525">
                   <a:solidFill>
                     <a:srgbClr val="000000"/>
                   </a:solidFill>
@@ -2981,7 +2981,7 @@
             </a:ln>
             <a:extLst>
               <a:ext uri="{91240B29-F687-4f45-9708-019B960494DF}">
-                <a14:hiddenLine xmlns:a14="http://schemas.microsoft.com/office/drawing/2010/main" xmlns="" w="9525">
+                <a14:hiddenLine xmlns="" xmlns:a14="http://schemas.microsoft.com/office/drawing/2010/main" w="9525">
                   <a:solidFill>
                     <a:srgbClr val="000000"/>
                   </a:solidFill>
@@ -3037,7 +3037,7 @@
             </a:ln>
             <a:extLst>
               <a:ext uri="{91240B29-F687-4f45-9708-019B960494DF}">
-                <a14:hiddenLine xmlns:a14="http://schemas.microsoft.com/office/drawing/2010/main" xmlns="" w="9525">
+                <a14:hiddenLine xmlns="" xmlns:a14="http://schemas.microsoft.com/office/drawing/2010/main" w="9525">
                   <a:solidFill>
                     <a:srgbClr val="000000"/>
                   </a:solidFill>
@@ -3127,7 +3127,7 @@
             </a:ln>
             <a:extLst>
               <a:ext uri="{91240B29-F687-4f45-9708-019B960494DF}">
-                <a14:hiddenLine xmlns:a14="http://schemas.microsoft.com/office/drawing/2010/main" xmlns="" w="9525">
+                <a14:hiddenLine xmlns="" xmlns:a14="http://schemas.microsoft.com/office/drawing/2010/main" w="9525">
                   <a:solidFill>
                     <a:srgbClr val="000000"/>
                   </a:solidFill>
@@ -3195,7 +3195,7 @@
             </a:ln>
             <a:extLst>
               <a:ext uri="{91240B29-F687-4f45-9708-019B960494DF}">
-                <a14:hiddenLine xmlns:a14="http://schemas.microsoft.com/office/drawing/2010/main" xmlns="" w="9525">
+                <a14:hiddenLine xmlns="" xmlns:a14="http://schemas.microsoft.com/office/drawing/2010/main" w="9525">
                   <a:solidFill>
                     <a:srgbClr val="000000"/>
                   </a:solidFill>
@@ -3285,7 +3285,7 @@
             </a:ln>
             <a:extLst>
               <a:ext uri="{91240B29-F687-4f45-9708-019B960494DF}">
-                <a14:hiddenLine xmlns:a14="http://schemas.microsoft.com/office/drawing/2010/main" xmlns="" w="9525">
+                <a14:hiddenLine xmlns="" xmlns:a14="http://schemas.microsoft.com/office/drawing/2010/main" w="9525">
                   <a:solidFill>
                     <a:srgbClr val="000000"/>
                   </a:solidFill>
@@ -3353,7 +3353,7 @@
             </a:ln>
             <a:extLst>
               <a:ext uri="{91240B29-F687-4f45-9708-019B960494DF}">
-                <a14:hiddenLine xmlns:a14="http://schemas.microsoft.com/office/drawing/2010/main" xmlns="" w="9525">
+                <a14:hiddenLine xmlns="" xmlns:a14="http://schemas.microsoft.com/office/drawing/2010/main" w="9525">
                   <a:solidFill>
                     <a:srgbClr val="000000"/>
                   </a:solidFill>
@@ -3443,7 +3443,7 @@
             </a:ln>
             <a:extLst>
               <a:ext uri="{91240B29-F687-4f45-9708-019B960494DF}">
-                <a14:hiddenLine xmlns:a14="http://schemas.microsoft.com/office/drawing/2010/main" xmlns="" w="9525">
+                <a14:hiddenLine xmlns="" xmlns:a14="http://schemas.microsoft.com/office/drawing/2010/main" w="9525">
                   <a:solidFill>
                     <a:srgbClr val="000000"/>
                   </a:solidFill>
@@ -3477,7 +3477,7 @@
             </a:ln>
             <a:extLst>
               <a:ext uri="{91240B29-F687-4f45-9708-019B960494DF}">
-                <a14:hiddenLine xmlns:a14="http://schemas.microsoft.com/office/drawing/2010/main" xmlns="" w="9525">
+                <a14:hiddenLine xmlns="" xmlns:a14="http://schemas.microsoft.com/office/drawing/2010/main" w="9525">
                   <a:solidFill>
                     <a:srgbClr val="000000"/>
                   </a:solidFill>
@@ -3567,7 +3567,7 @@
             </a:ln>
             <a:extLst>
               <a:ext uri="{91240B29-F687-4f45-9708-019B960494DF}">
-                <a14:hiddenLine xmlns:a14="http://schemas.microsoft.com/office/drawing/2010/main" xmlns="" w="9525">
+                <a14:hiddenLine xmlns="" xmlns:a14="http://schemas.microsoft.com/office/drawing/2010/main" w="9525">
                   <a:solidFill>
                     <a:srgbClr val="000000"/>
                   </a:solidFill>
@@ -3629,7 +3629,7 @@
             </a:ln>
             <a:extLst>
               <a:ext uri="{91240B29-F687-4f45-9708-019B960494DF}">
-                <a14:hiddenLine xmlns:a14="http://schemas.microsoft.com/office/drawing/2010/main" xmlns="" w="9525">
+                <a14:hiddenLine xmlns="" xmlns:a14="http://schemas.microsoft.com/office/drawing/2010/main" w="9525">
                   <a:solidFill>
                     <a:srgbClr val="000000"/>
                   </a:solidFill>
@@ -3691,7 +3691,7 @@
             </a:ln>
             <a:extLst>
               <a:ext uri="{91240B29-F687-4f45-9708-019B960494DF}">
-                <a14:hiddenLine xmlns:a14="http://schemas.microsoft.com/office/drawing/2010/main" xmlns="" w="9525">
+                <a14:hiddenLine xmlns="" xmlns:a14="http://schemas.microsoft.com/office/drawing/2010/main" w="9525">
                   <a:solidFill>
                     <a:srgbClr val="000000"/>
                   </a:solidFill>
@@ -3781,7 +3781,7 @@
             </a:ln>
             <a:extLst>
               <a:ext uri="{91240B29-F687-4f45-9708-019B960494DF}">
-                <a14:hiddenLine xmlns:a14="http://schemas.microsoft.com/office/drawing/2010/main" xmlns="" w="9525">
+                <a14:hiddenLine xmlns="" xmlns:a14="http://schemas.microsoft.com/office/drawing/2010/main" w="9525">
                   <a:solidFill>
                     <a:srgbClr val="000000"/>
                   </a:solidFill>
@@ -3849,7 +3849,7 @@
             </a:ln>
             <a:extLst>
               <a:ext uri="{91240B29-F687-4f45-9708-019B960494DF}">
-                <a14:hiddenLine xmlns:a14="http://schemas.microsoft.com/office/drawing/2010/main" xmlns="" w="9525">
+                <a14:hiddenLine xmlns="" xmlns:a14="http://schemas.microsoft.com/office/drawing/2010/main" w="9525">
                   <a:solidFill>
                     <a:srgbClr val="000000"/>
                   </a:solidFill>
@@ -3911,7 +3911,7 @@
             </a:ln>
             <a:extLst>
               <a:ext uri="{91240B29-F687-4f45-9708-019B960494DF}">
-                <a14:hiddenLine xmlns:a14="http://schemas.microsoft.com/office/drawing/2010/main" xmlns="" w="9525">
+                <a14:hiddenLine xmlns="" xmlns:a14="http://schemas.microsoft.com/office/drawing/2010/main" w="9525">
                   <a:solidFill>
                     <a:srgbClr val="000000"/>
                   </a:solidFill>
@@ -4001,7 +4001,7 @@
             </a:ln>
             <a:extLst>
               <a:ext uri="{91240B29-F687-4f45-9708-019B960494DF}">
-                <a14:hiddenLine xmlns:a14="http://schemas.microsoft.com/office/drawing/2010/main" xmlns="" w="9525">
+                <a14:hiddenLine xmlns="" xmlns:a14="http://schemas.microsoft.com/office/drawing/2010/main" w="9525">
                   <a:solidFill>
                     <a:srgbClr val="000000"/>
                   </a:solidFill>
@@ -4063,7 +4063,7 @@
             </a:ln>
             <a:extLst>
               <a:ext uri="{91240B29-F687-4f45-9708-019B960494DF}">
-                <a14:hiddenLine xmlns:a14="http://schemas.microsoft.com/office/drawing/2010/main" xmlns="" w="9525">
+                <a14:hiddenLine xmlns="" xmlns:a14="http://schemas.microsoft.com/office/drawing/2010/main" w="9525">
                   <a:solidFill>
                     <a:srgbClr val="000000"/>
                   </a:solidFill>
@@ -4153,7 +4153,7 @@
             </a:ln>
             <a:extLst>
               <a:ext uri="{91240B29-F687-4f45-9708-019B960494DF}">
-                <a14:hiddenLine xmlns:a14="http://schemas.microsoft.com/office/drawing/2010/main" xmlns="" w="9525">
+                <a14:hiddenLine xmlns="" xmlns:a14="http://schemas.microsoft.com/office/drawing/2010/main" w="9525">
                   <a:solidFill>
                     <a:srgbClr val="000000"/>
                   </a:solidFill>
@@ -4215,7 +4215,7 @@
             </a:ln>
             <a:extLst>
               <a:ext uri="{91240B29-F687-4f45-9708-019B960494DF}">
-                <a14:hiddenLine xmlns:a14="http://schemas.microsoft.com/office/drawing/2010/main" xmlns="" w="9525">
+                <a14:hiddenLine xmlns="" xmlns:a14="http://schemas.microsoft.com/office/drawing/2010/main" w="9525">
                   <a:solidFill>
                     <a:srgbClr val="000000"/>
                   </a:solidFill>
@@ -4305,7 +4305,7 @@
             </a:ln>
             <a:extLst>
               <a:ext uri="{91240B29-F687-4f45-9708-019B960494DF}">
-                <a14:hiddenLine xmlns:a14="http://schemas.microsoft.com/office/drawing/2010/main" xmlns="" w="9525">
+                <a14:hiddenLine xmlns="" xmlns:a14="http://schemas.microsoft.com/office/drawing/2010/main" w="9525">
                   <a:solidFill>
                     <a:srgbClr val="000000"/>
                   </a:solidFill>
@@ -4339,7 +4339,7 @@
             </a:ln>
             <a:extLst>
               <a:ext uri="{91240B29-F687-4f45-9708-019B960494DF}">
-                <a14:hiddenLine xmlns:a14="http://schemas.microsoft.com/office/drawing/2010/main" xmlns="" w="9525">
+                <a14:hiddenLine xmlns="" xmlns:a14="http://schemas.microsoft.com/office/drawing/2010/main" w="9525">
                   <a:solidFill>
                     <a:srgbClr val="000000"/>
                   </a:solidFill>
@@ -4404,7 +4404,7 @@
             </a:ln>
             <a:extLst>
               <a:ext uri="{91240B29-F687-4f45-9708-019B960494DF}">
-                <a14:hiddenLine xmlns:a14="http://schemas.microsoft.com/office/drawing/2010/main" xmlns="" w="9525">
+                <a14:hiddenLine xmlns="" xmlns:a14="http://schemas.microsoft.com/office/drawing/2010/main" w="9525">
                   <a:solidFill>
                     <a:srgbClr val="000000"/>
                   </a:solidFill>
@@ -4494,7 +4494,7 @@
             </a:ln>
             <a:extLst>
               <a:ext uri="{91240B29-F687-4f45-9708-019B960494DF}">
-                <a14:hiddenLine xmlns:a14="http://schemas.microsoft.com/office/drawing/2010/main" xmlns="" w="9525">
+                <a14:hiddenLine xmlns="" xmlns:a14="http://schemas.microsoft.com/office/drawing/2010/main" w="9525">
                   <a:solidFill>
                     <a:srgbClr val="000000"/>
                   </a:solidFill>
@@ -4556,7 +4556,7 @@
             </a:ln>
             <a:extLst>
               <a:ext uri="{91240B29-F687-4f45-9708-019B960494DF}">
-                <a14:hiddenLine xmlns:a14="http://schemas.microsoft.com/office/drawing/2010/main" xmlns="" w="9525">
+                <a14:hiddenLine xmlns="" xmlns:a14="http://schemas.microsoft.com/office/drawing/2010/main" w="9525">
                   <a:solidFill>
                     <a:srgbClr val="000000"/>
                   </a:solidFill>
@@ -4646,7 +4646,7 @@
             </a:ln>
             <a:extLst>
               <a:ext uri="{91240B29-F687-4f45-9708-019B960494DF}">
-                <a14:hiddenLine xmlns:a14="http://schemas.microsoft.com/office/drawing/2010/main" xmlns="" w="9525">
+                <a14:hiddenLine xmlns="" xmlns:a14="http://schemas.microsoft.com/office/drawing/2010/main" w="9525">
                   <a:solidFill>
                     <a:srgbClr val="000000"/>
                   </a:solidFill>
@@ -4736,7 +4736,7 @@
             </a:ln>
             <a:extLst>
               <a:ext uri="{91240B29-F687-4f45-9708-019B960494DF}">
-                <a14:hiddenLine xmlns:a14="http://schemas.microsoft.com/office/drawing/2010/main" xmlns="" w="9525">
+                <a14:hiddenLine xmlns="" xmlns:a14="http://schemas.microsoft.com/office/drawing/2010/main" w="9525">
                   <a:solidFill>
                     <a:srgbClr val="000000"/>
                   </a:solidFill>
@@ -4801,7 +4801,7 @@
             </a:ln>
             <a:extLst>
               <a:ext uri="{91240B29-F687-4f45-9708-019B960494DF}">
-                <a14:hiddenLine xmlns:a14="http://schemas.microsoft.com/office/drawing/2010/main" xmlns="" w="9525">
+                <a14:hiddenLine xmlns="" xmlns:a14="http://schemas.microsoft.com/office/drawing/2010/main" w="9525">
                   <a:solidFill>
                     <a:srgbClr val="000000"/>
                   </a:solidFill>
@@ -4863,7 +4863,7 @@
             </a:ln>
             <a:extLst>
               <a:ext uri="{91240B29-F687-4f45-9708-019B960494DF}">
-                <a14:hiddenLine xmlns:a14="http://schemas.microsoft.com/office/drawing/2010/main" xmlns="" w="9525">
+                <a14:hiddenLine xmlns="" xmlns:a14="http://schemas.microsoft.com/office/drawing/2010/main" w="9525">
                   <a:solidFill>
                     <a:srgbClr val="000000"/>
                   </a:solidFill>
@@ -4953,7 +4953,7 @@
             </a:ln>
             <a:extLst>
               <a:ext uri="{91240B29-F687-4f45-9708-019B960494DF}">
-                <a14:hiddenLine xmlns:a14="http://schemas.microsoft.com/office/drawing/2010/main" xmlns="" w="9525">
+                <a14:hiddenLine xmlns="" xmlns:a14="http://schemas.microsoft.com/office/drawing/2010/main" w="9525">
                   <a:solidFill>
                     <a:srgbClr val="000000"/>
                   </a:solidFill>
@@ -5043,7 +5043,7 @@
             </a:ln>
             <a:extLst>
               <a:ext uri="{91240B29-F687-4f45-9708-019B960494DF}">
-                <a14:hiddenLine xmlns:a14="http://schemas.microsoft.com/office/drawing/2010/main" xmlns="" w="9525">
+                <a14:hiddenLine xmlns="" xmlns:a14="http://schemas.microsoft.com/office/drawing/2010/main" w="9525">
                   <a:solidFill>
                     <a:srgbClr val="000000"/>
                   </a:solidFill>
@@ -5105,7 +5105,7 @@
             </a:ln>
             <a:extLst>
               <a:ext uri="{91240B29-F687-4f45-9708-019B960494DF}">
-                <a14:hiddenLine xmlns:a14="http://schemas.microsoft.com/office/drawing/2010/main" xmlns="" w="9525">
+                <a14:hiddenLine xmlns="" xmlns:a14="http://schemas.microsoft.com/office/drawing/2010/main" w="9525">
                   <a:solidFill>
                     <a:srgbClr val="000000"/>
                   </a:solidFill>
@@ -5225,7 +5225,7 @@
             </a:ln>
             <a:extLst>
               <a:ext uri="{91240B29-F687-4f45-9708-019B960494DF}">
-                <a14:hiddenLine xmlns:a14="http://schemas.microsoft.com/office/drawing/2010/main" xmlns="" w="9525">
+                <a14:hiddenLine xmlns="" xmlns:a14="http://schemas.microsoft.com/office/drawing/2010/main" w="9525">
                   <a:solidFill>
                     <a:srgbClr val="000000"/>
                   </a:solidFill>
@@ -5293,7 +5293,7 @@
             </a:ln>
             <a:extLst>
               <a:ext uri="{91240B29-F687-4f45-9708-019B960494DF}">
-                <a14:hiddenLine xmlns:a14="http://schemas.microsoft.com/office/drawing/2010/main" xmlns="" w="9525">
+                <a14:hiddenLine xmlns="" xmlns:a14="http://schemas.microsoft.com/office/drawing/2010/main" w="9525">
                   <a:solidFill>
                     <a:srgbClr val="000000"/>
                   </a:solidFill>
@@ -5383,7 +5383,7 @@
             </a:ln>
             <a:extLst>
               <a:ext uri="{91240B29-F687-4f45-9708-019B960494DF}">
-                <a14:hiddenLine xmlns:a14="http://schemas.microsoft.com/office/drawing/2010/main" xmlns="" w="9525">
+                <a14:hiddenLine xmlns="" xmlns:a14="http://schemas.microsoft.com/office/drawing/2010/main" w="9525">
                   <a:solidFill>
                     <a:srgbClr val="000000"/>
                   </a:solidFill>
@@ -10197,7 +10197,7 @@
           <a:noFill/>
           <a:extLst>
             <a:ext uri="{909E8E84-426E-40dd-AFC4-6F175D3DCCD1}">
-              <a14:hiddenFill xmlns:a14="http://schemas.microsoft.com/office/drawing/2010/main" xmlns="">
+              <a14:hiddenFill xmlns="" xmlns:a14="http://schemas.microsoft.com/office/drawing/2010/main">
                 <a:solidFill>
                   <a:srgbClr val="FFFFFF"/>
                 </a:solidFill>
@@ -10271,7 +10271,7 @@
               </a:ln>
               <a:extLst>
                 <a:ext uri="{91240B29-F687-4f45-9708-019B960494DF}">
-                  <a14:hiddenLine xmlns:a14="http://schemas.microsoft.com/office/drawing/2010/main" xmlns="" w="9525">
+                  <a14:hiddenLine xmlns="" xmlns:a14="http://schemas.microsoft.com/office/drawing/2010/main" w="9525">
                     <a:solidFill>
                       <a:srgbClr val="000000"/>
                     </a:solidFill>
@@ -10361,7 +10361,7 @@
               </a:ln>
               <a:extLst>
                 <a:ext uri="{91240B29-F687-4f45-9708-019B960494DF}">
-                  <a14:hiddenLine xmlns:a14="http://schemas.microsoft.com/office/drawing/2010/main" xmlns="" w="9525">
+                  <a14:hiddenLine xmlns="" xmlns:a14="http://schemas.microsoft.com/office/drawing/2010/main" w="9525">
                     <a:solidFill>
                       <a:srgbClr val="000000"/>
                     </a:solidFill>
@@ -10451,7 +10451,7 @@
               </a:ln>
               <a:extLst>
                 <a:ext uri="{91240B29-F687-4f45-9708-019B960494DF}">
-                  <a14:hiddenLine xmlns:a14="http://schemas.microsoft.com/office/drawing/2010/main" xmlns="" w="9525">
+                  <a14:hiddenLine xmlns="" xmlns:a14="http://schemas.microsoft.com/office/drawing/2010/main" w="9525">
                     <a:solidFill>
                       <a:srgbClr val="000000"/>
                     </a:solidFill>
@@ -10513,7 +10513,7 @@
               </a:ln>
               <a:extLst>
                 <a:ext uri="{91240B29-F687-4f45-9708-019B960494DF}">
-                  <a14:hiddenLine xmlns:a14="http://schemas.microsoft.com/office/drawing/2010/main" xmlns="" w="9525">
+                  <a14:hiddenLine xmlns="" xmlns:a14="http://schemas.microsoft.com/office/drawing/2010/main" w="9525">
                     <a:solidFill>
                       <a:srgbClr val="000000"/>
                     </a:solidFill>
@@ -10603,7 +10603,7 @@
               </a:ln>
               <a:extLst>
                 <a:ext uri="{91240B29-F687-4f45-9708-019B960494DF}">
-                  <a14:hiddenLine xmlns:a14="http://schemas.microsoft.com/office/drawing/2010/main" xmlns="" w="9525">
+                  <a14:hiddenLine xmlns="" xmlns:a14="http://schemas.microsoft.com/office/drawing/2010/main" w="9525">
                     <a:solidFill>
                       <a:srgbClr val="000000"/>
                     </a:solidFill>
@@ -10665,7 +10665,7 @@
               </a:ln>
               <a:extLst>
                 <a:ext uri="{91240B29-F687-4f45-9708-019B960494DF}">
-                  <a14:hiddenLine xmlns:a14="http://schemas.microsoft.com/office/drawing/2010/main" xmlns="" w="9525">
+                  <a14:hiddenLine xmlns="" xmlns:a14="http://schemas.microsoft.com/office/drawing/2010/main" w="9525">
                     <a:solidFill>
                       <a:srgbClr val="000000"/>
                     </a:solidFill>
@@ -10727,7 +10727,7 @@
               </a:ln>
               <a:extLst>
                 <a:ext uri="{91240B29-F687-4f45-9708-019B960494DF}">
-                  <a14:hiddenLine xmlns:a14="http://schemas.microsoft.com/office/drawing/2010/main" xmlns="" w="9525">
+                  <a14:hiddenLine xmlns="" xmlns:a14="http://schemas.microsoft.com/office/drawing/2010/main" w="9525">
                     <a:solidFill>
                       <a:srgbClr val="000000"/>
                     </a:solidFill>
@@ -10817,7 +10817,7 @@
               </a:ln>
               <a:extLst>
                 <a:ext uri="{91240B29-F687-4f45-9708-019B960494DF}">
-                  <a14:hiddenLine xmlns:a14="http://schemas.microsoft.com/office/drawing/2010/main" xmlns="" w="9525">
+                  <a14:hiddenLine xmlns="" xmlns:a14="http://schemas.microsoft.com/office/drawing/2010/main" w="9525">
                     <a:solidFill>
                       <a:srgbClr val="000000"/>
                     </a:solidFill>
@@ -10907,7 +10907,7 @@
               </a:ln>
               <a:extLst>
                 <a:ext uri="{91240B29-F687-4f45-9708-019B960494DF}">
-                  <a14:hiddenLine xmlns:a14="http://schemas.microsoft.com/office/drawing/2010/main" xmlns="" w="9525">
+                  <a14:hiddenLine xmlns="" xmlns:a14="http://schemas.microsoft.com/office/drawing/2010/main" w="9525">
                     <a:solidFill>
                       <a:srgbClr val="000000"/>
                     </a:solidFill>
@@ -10969,7 +10969,7 @@
               </a:ln>
               <a:extLst>
                 <a:ext uri="{91240B29-F687-4f45-9708-019B960494DF}">
-                  <a14:hiddenLine xmlns:a14="http://schemas.microsoft.com/office/drawing/2010/main" xmlns="" w="9525">
+                  <a14:hiddenLine xmlns="" xmlns:a14="http://schemas.microsoft.com/office/drawing/2010/main" w="9525">
                     <a:solidFill>
                       <a:srgbClr val="000000"/>
                     </a:solidFill>
@@ -11079,7 +11079,7 @@
               </a:ln>
               <a:extLst>
                 <a:ext uri="{91240B29-F687-4f45-9708-019B960494DF}">
-                  <a14:hiddenLine xmlns:a14="http://schemas.microsoft.com/office/drawing/2010/main" xmlns="" w="9525">
+                  <a14:hiddenLine xmlns="" xmlns:a14="http://schemas.microsoft.com/office/drawing/2010/main" w="9525">
                     <a:solidFill>
                       <a:srgbClr val="000000"/>
                     </a:solidFill>
@@ -11163,7 +11163,7 @@
               </a:ln>
               <a:extLst>
                 <a:ext uri="{91240B29-F687-4f45-9708-019B960494DF}">
-                  <a14:hiddenLine xmlns:a14="http://schemas.microsoft.com/office/drawing/2010/main" xmlns="" w="9525">
+                  <a14:hiddenLine xmlns="" xmlns:a14="http://schemas.microsoft.com/office/drawing/2010/main" w="9525">
                     <a:solidFill>
                       <a:srgbClr val="000000"/>
                     </a:solidFill>
@@ -11225,7 +11225,7 @@
               </a:ln>
               <a:extLst>
                 <a:ext uri="{91240B29-F687-4f45-9708-019B960494DF}">
-                  <a14:hiddenLine xmlns:a14="http://schemas.microsoft.com/office/drawing/2010/main" xmlns="" w="9525">
+                  <a14:hiddenLine xmlns="" xmlns:a14="http://schemas.microsoft.com/office/drawing/2010/main" w="9525">
                     <a:solidFill>
                       <a:srgbClr val="000000"/>
                     </a:solidFill>
@@ -11287,7 +11287,7 @@
               </a:ln>
               <a:extLst>
                 <a:ext uri="{91240B29-F687-4f45-9708-019B960494DF}">
-                  <a14:hiddenLine xmlns:a14="http://schemas.microsoft.com/office/drawing/2010/main" xmlns="" w="9525">
+                  <a14:hiddenLine xmlns="" xmlns:a14="http://schemas.microsoft.com/office/drawing/2010/main" w="9525">
                     <a:solidFill>
                       <a:srgbClr val="000000"/>
                     </a:solidFill>
@@ -11377,7 +11377,7 @@
               </a:ln>
               <a:extLst>
                 <a:ext uri="{91240B29-F687-4f45-9708-019B960494DF}">
-                  <a14:hiddenLine xmlns:a14="http://schemas.microsoft.com/office/drawing/2010/main" xmlns="" w="9525">
+                  <a14:hiddenLine xmlns="" xmlns:a14="http://schemas.microsoft.com/office/drawing/2010/main" w="9525">
                     <a:solidFill>
                       <a:srgbClr val="000000"/>
                     </a:solidFill>
@@ -11411,7 +11411,7 @@
               </a:ln>
               <a:extLst>
                 <a:ext uri="{91240B29-F687-4f45-9708-019B960494DF}">
-                  <a14:hiddenLine xmlns:a14="http://schemas.microsoft.com/office/drawing/2010/main" xmlns="" w="9525">
+                  <a14:hiddenLine xmlns="" xmlns:a14="http://schemas.microsoft.com/office/drawing/2010/main" w="9525">
                     <a:solidFill>
                       <a:srgbClr val="000000"/>
                     </a:solidFill>
@@ -11476,7 +11476,7 @@
               </a:ln>
               <a:extLst>
                 <a:ext uri="{91240B29-F687-4f45-9708-019B960494DF}">
-                  <a14:hiddenLine xmlns:a14="http://schemas.microsoft.com/office/drawing/2010/main" xmlns="" w="9525">
+                  <a14:hiddenLine xmlns="" xmlns:a14="http://schemas.microsoft.com/office/drawing/2010/main" w="9525">
                     <a:solidFill>
                       <a:srgbClr val="000000"/>
                     </a:solidFill>
@@ -11566,7 +11566,7 @@
               </a:ln>
               <a:extLst>
                 <a:ext uri="{91240B29-F687-4f45-9708-019B960494DF}">
-                  <a14:hiddenLine xmlns:a14="http://schemas.microsoft.com/office/drawing/2010/main" xmlns="" w="9525">
+                  <a14:hiddenLine xmlns="" xmlns:a14="http://schemas.microsoft.com/office/drawing/2010/main" w="9525">
                     <a:solidFill>
                       <a:srgbClr val="000000"/>
                     </a:solidFill>
@@ -11628,7 +11628,7 @@
               </a:ln>
               <a:extLst>
                 <a:ext uri="{91240B29-F687-4f45-9708-019B960494DF}">
-                  <a14:hiddenLine xmlns:a14="http://schemas.microsoft.com/office/drawing/2010/main" xmlns="" w="9525">
+                  <a14:hiddenLine xmlns="" xmlns:a14="http://schemas.microsoft.com/office/drawing/2010/main" w="9525">
                     <a:solidFill>
                       <a:srgbClr val="000000"/>
                     </a:solidFill>
@@ -11718,7 +11718,7 @@
               </a:ln>
               <a:extLst>
                 <a:ext uri="{91240B29-F687-4f45-9708-019B960494DF}">
-                  <a14:hiddenLine xmlns:a14="http://schemas.microsoft.com/office/drawing/2010/main" xmlns="" w="9525">
+                  <a14:hiddenLine xmlns="" xmlns:a14="http://schemas.microsoft.com/office/drawing/2010/main" w="9525">
                     <a:solidFill>
                       <a:srgbClr val="000000"/>
                     </a:solidFill>
@@ -11783,7 +11783,7 @@
               </a:ln>
               <a:extLst>
                 <a:ext uri="{91240B29-F687-4f45-9708-019B960494DF}">
-                  <a14:hiddenLine xmlns:a14="http://schemas.microsoft.com/office/drawing/2010/main" xmlns="" w="9525">
+                  <a14:hiddenLine xmlns="" xmlns:a14="http://schemas.microsoft.com/office/drawing/2010/main" w="9525">
                     <a:solidFill>
                       <a:srgbClr val="000000"/>
                     </a:solidFill>
@@ -11845,7 +11845,7 @@
               </a:ln>
               <a:extLst>
                 <a:ext uri="{91240B29-F687-4f45-9708-019B960494DF}">
-                  <a14:hiddenLine xmlns:a14="http://schemas.microsoft.com/office/drawing/2010/main" xmlns="" w="9525">
+                  <a14:hiddenLine xmlns="" xmlns:a14="http://schemas.microsoft.com/office/drawing/2010/main" w="9525">
                     <a:solidFill>
                       <a:srgbClr val="000000"/>
                     </a:solidFill>
@@ -11935,7 +11935,7 @@
               </a:ln>
               <a:extLst>
                 <a:ext uri="{91240B29-F687-4f45-9708-019B960494DF}">
-                  <a14:hiddenLine xmlns:a14="http://schemas.microsoft.com/office/drawing/2010/main" xmlns="" w="9525">
+                  <a14:hiddenLine xmlns="" xmlns:a14="http://schemas.microsoft.com/office/drawing/2010/main" w="9525">
                     <a:solidFill>
                       <a:srgbClr val="000000"/>
                     </a:solidFill>
@@ -12025,7 +12025,7 @@
               </a:ln>
               <a:extLst>
                 <a:ext uri="{91240B29-F687-4f45-9708-019B960494DF}">
-                  <a14:hiddenLine xmlns:a14="http://schemas.microsoft.com/office/drawing/2010/main" xmlns="" w="9525">
+                  <a14:hiddenLine xmlns="" xmlns:a14="http://schemas.microsoft.com/office/drawing/2010/main" w="9525">
                     <a:solidFill>
                       <a:srgbClr val="000000"/>
                     </a:solidFill>
@@ -12090,7 +12090,7 @@
               </a:ln>
               <a:extLst>
                 <a:ext uri="{91240B29-F687-4f45-9708-019B960494DF}">
-                  <a14:hiddenLine xmlns:a14="http://schemas.microsoft.com/office/drawing/2010/main" xmlns="" w="9525">
+                  <a14:hiddenLine xmlns="" xmlns:a14="http://schemas.microsoft.com/office/drawing/2010/main" w="9525">
                     <a:solidFill>
                       <a:srgbClr val="000000"/>
                     </a:solidFill>
@@ -12210,7 +12210,7 @@
               </a:ln>
               <a:extLst>
                 <a:ext uri="{91240B29-F687-4f45-9708-019B960494DF}">
-                  <a14:hiddenLine xmlns:a14="http://schemas.microsoft.com/office/drawing/2010/main" xmlns="" w="9525">
+                  <a14:hiddenLine xmlns="" xmlns:a14="http://schemas.microsoft.com/office/drawing/2010/main" w="9525">
                     <a:solidFill>
                       <a:srgbClr val="000000"/>
                     </a:solidFill>
@@ -12291,7 +12291,7 @@
               </a:ln>
               <a:extLst>
                 <a:ext uri="{91240B29-F687-4f45-9708-019B960494DF}">
-                  <a14:hiddenLine xmlns:a14="http://schemas.microsoft.com/office/drawing/2010/main" xmlns="" w="9525">
+                  <a14:hiddenLine xmlns="" xmlns:a14="http://schemas.microsoft.com/office/drawing/2010/main" w="9525">
                     <a:solidFill>
                       <a:srgbClr val="000000"/>
                     </a:solidFill>
@@ -12406,7 +12406,7 @@
               </a:ln>
               <a:extLst>
                 <a:ext uri="{91240B29-F687-4f45-9708-019B960494DF}">
-                  <a14:hiddenLine xmlns:a14="http://schemas.microsoft.com/office/drawing/2010/main" xmlns="" w="9525">
+                  <a14:hiddenLine xmlns="" xmlns:a14="http://schemas.microsoft.com/office/drawing/2010/main" w="9525">
                     <a:solidFill>
                       <a:srgbClr val="000000"/>
                     </a:solidFill>
@@ -12496,7 +12496,7 @@
               </a:ln>
               <a:extLst>
                 <a:ext uri="{91240B29-F687-4f45-9708-019B960494DF}">
-                  <a14:hiddenLine xmlns:a14="http://schemas.microsoft.com/office/drawing/2010/main" xmlns="" w="9525">
+                  <a14:hiddenLine xmlns="" xmlns:a14="http://schemas.microsoft.com/office/drawing/2010/main" w="9525">
                     <a:solidFill>
                       <a:srgbClr val="000000"/>
                     </a:solidFill>
@@ -12561,7 +12561,7 @@
               </a:ln>
               <a:extLst>
                 <a:ext uri="{91240B29-F687-4f45-9708-019B960494DF}">
-                  <a14:hiddenLine xmlns:a14="http://schemas.microsoft.com/office/drawing/2010/main" xmlns="" w="9525">
+                  <a14:hiddenLine xmlns="" xmlns:a14="http://schemas.microsoft.com/office/drawing/2010/main" w="9525">
                     <a:solidFill>
                       <a:srgbClr val="000000"/>
                     </a:solidFill>
@@ -12651,7 +12651,7 @@
               </a:ln>
               <a:extLst>
                 <a:ext uri="{91240B29-F687-4f45-9708-019B960494DF}">
-                  <a14:hiddenLine xmlns:a14="http://schemas.microsoft.com/office/drawing/2010/main" xmlns="" w="9525">
+                  <a14:hiddenLine xmlns="" xmlns:a14="http://schemas.microsoft.com/office/drawing/2010/main" w="9525">
                     <a:solidFill>
                       <a:srgbClr val="000000"/>
                     </a:solidFill>
@@ -12719,7 +12719,7 @@
               </a:ln>
               <a:extLst>
                 <a:ext uri="{91240B29-F687-4f45-9708-019B960494DF}">
-                  <a14:hiddenLine xmlns:a14="http://schemas.microsoft.com/office/drawing/2010/main" xmlns="" w="9525">
+                  <a14:hiddenLine xmlns="" xmlns:a14="http://schemas.microsoft.com/office/drawing/2010/main" w="9525">
                     <a:solidFill>
                       <a:srgbClr val="000000"/>
                     </a:solidFill>
@@ -12809,7 +12809,7 @@
               </a:ln>
               <a:extLst>
                 <a:ext uri="{91240B29-F687-4f45-9708-019B960494DF}">
-                  <a14:hiddenLine xmlns:a14="http://schemas.microsoft.com/office/drawing/2010/main" xmlns="" w="9525">
+                  <a14:hiddenLine xmlns="" xmlns:a14="http://schemas.microsoft.com/office/drawing/2010/main" w="9525">
                     <a:solidFill>
                       <a:srgbClr val="000000"/>
                     </a:solidFill>
@@ -12877,7 +12877,7 @@
               </a:ln>
               <a:extLst>
                 <a:ext uri="{91240B29-F687-4f45-9708-019B960494DF}">
-                  <a14:hiddenLine xmlns:a14="http://schemas.microsoft.com/office/drawing/2010/main" xmlns="" w="9525">
+                  <a14:hiddenLine xmlns="" xmlns:a14="http://schemas.microsoft.com/office/drawing/2010/main" w="9525">
                     <a:solidFill>
                       <a:srgbClr val="000000"/>
                     </a:solidFill>
@@ -12967,7 +12967,7 @@
               </a:ln>
               <a:extLst>
                 <a:ext uri="{91240B29-F687-4f45-9708-019B960494DF}">
-                  <a14:hiddenLine xmlns:a14="http://schemas.microsoft.com/office/drawing/2010/main" xmlns="" w="9525">
+                  <a14:hiddenLine xmlns="" xmlns:a14="http://schemas.microsoft.com/office/drawing/2010/main" w="9525">
                     <a:solidFill>
                       <a:srgbClr val="000000"/>
                     </a:solidFill>
@@ -13001,7 +13001,7 @@
               </a:ln>
               <a:extLst>
                 <a:ext uri="{91240B29-F687-4f45-9708-019B960494DF}">
-                  <a14:hiddenLine xmlns:a14="http://schemas.microsoft.com/office/drawing/2010/main" xmlns="" w="9525">
+                  <a14:hiddenLine xmlns="" xmlns:a14="http://schemas.microsoft.com/office/drawing/2010/main" w="9525">
                     <a:solidFill>
                       <a:srgbClr val="000000"/>
                     </a:solidFill>
@@ -14634,7 +14634,11 @@
           <a:p>
             <a:r>
               <a:rPr lang="sr-Latn-RS" dirty="0" smtClean="0"/>
-              <a:t>Rezultati obrade</a:t>
+              <a:t>Rezultati </a:t>
+            </a:r>
+            <a:r>
+              <a:rPr lang="sr-Latn-RS" dirty="0" smtClean="0"/>
+              <a:t>obrade slike</a:t>
             </a:r>
             <a:endParaRPr lang="sr-Latn-RS" dirty="0"/>
           </a:p>
